--- a/iotschema-27June2018.pptx
+++ b/iotschema-27June2018.pptx
@@ -113,6 +113,11 @@
       </a:defRPr>
     </a:lvl9pPr>
   </p:defaultTextStyle>
+  <p:extLst>
+    <p:ext uri="{EFAFB233-063F-42B5-8137-9DF3F51BA10A}">
+      <p15:sldGuideLst xmlns:p15="http://schemas.microsoft.com/office/powerpoint/2012/main"/>
+    </p:ext>
+  </p:extLst>
 </p:presentation>
 </file>
 
@@ -247,7 +252,7 @@
           <a:p>
             <a:fld id="{9D36E99B-5E89-5749-93CD-EB0D1873100A}" type="datetimeFigureOut">
               <a:rPr lang="en-US" smtClean="0"/>
-              <a:t>6/27/18</a:t>
+              <a:t>6/28/18</a:t>
             </a:fld>
             <a:endParaRPr lang="en-US"/>
           </a:p>
@@ -412,7 +417,7 @@
           <a:p>
             <a:fld id="{9D36E99B-5E89-5749-93CD-EB0D1873100A}" type="datetimeFigureOut">
               <a:rPr lang="en-US" smtClean="0"/>
-              <a:t>6/27/18</a:t>
+              <a:t>6/28/18</a:t>
             </a:fld>
             <a:endParaRPr lang="en-US"/>
           </a:p>
@@ -587,7 +592,7 @@
           <a:p>
             <a:fld id="{9D36E99B-5E89-5749-93CD-EB0D1873100A}" type="datetimeFigureOut">
               <a:rPr lang="en-US" smtClean="0"/>
-              <a:t>6/27/18</a:t>
+              <a:t>6/28/18</a:t>
             </a:fld>
             <a:endParaRPr lang="en-US"/>
           </a:p>
@@ -752,7 +757,7 @@
           <a:p>
             <a:fld id="{9D36E99B-5E89-5749-93CD-EB0D1873100A}" type="datetimeFigureOut">
               <a:rPr lang="en-US" smtClean="0"/>
-              <a:t>6/27/18</a:t>
+              <a:t>6/28/18</a:t>
             </a:fld>
             <a:endParaRPr lang="en-US"/>
           </a:p>
@@ -991,7 +996,7 @@
           <a:p>
             <a:fld id="{9D36E99B-5E89-5749-93CD-EB0D1873100A}" type="datetimeFigureOut">
               <a:rPr lang="en-US" smtClean="0"/>
-              <a:t>6/27/18</a:t>
+              <a:t>6/28/18</a:t>
             </a:fld>
             <a:endParaRPr lang="en-US"/>
           </a:p>
@@ -1218,7 +1223,7 @@
           <a:p>
             <a:fld id="{9D36E99B-5E89-5749-93CD-EB0D1873100A}" type="datetimeFigureOut">
               <a:rPr lang="en-US" smtClean="0"/>
-              <a:t>6/27/18</a:t>
+              <a:t>6/28/18</a:t>
             </a:fld>
             <a:endParaRPr lang="en-US"/>
           </a:p>
@@ -1580,7 +1585,7 @@
           <a:p>
             <a:fld id="{9D36E99B-5E89-5749-93CD-EB0D1873100A}" type="datetimeFigureOut">
               <a:rPr lang="en-US" smtClean="0"/>
-              <a:t>6/27/18</a:t>
+              <a:t>6/28/18</a:t>
             </a:fld>
             <a:endParaRPr lang="en-US"/>
           </a:p>
@@ -1693,7 +1698,7 @@
           <a:p>
             <a:fld id="{9D36E99B-5E89-5749-93CD-EB0D1873100A}" type="datetimeFigureOut">
               <a:rPr lang="en-US" smtClean="0"/>
-              <a:t>6/27/18</a:t>
+              <a:t>6/28/18</a:t>
             </a:fld>
             <a:endParaRPr lang="en-US"/>
           </a:p>
@@ -1783,7 +1788,7 @@
           <a:p>
             <a:fld id="{9D36E99B-5E89-5749-93CD-EB0D1873100A}" type="datetimeFigureOut">
               <a:rPr lang="en-US" smtClean="0"/>
-              <a:t>6/27/18</a:t>
+              <a:t>6/28/18</a:t>
             </a:fld>
             <a:endParaRPr lang="en-US"/>
           </a:p>
@@ -2055,7 +2060,7 @@
           <a:p>
             <a:fld id="{9D36E99B-5E89-5749-93CD-EB0D1873100A}" type="datetimeFigureOut">
               <a:rPr lang="en-US" smtClean="0"/>
-              <a:t>6/27/18</a:t>
+              <a:t>6/28/18</a:t>
             </a:fld>
             <a:endParaRPr lang="en-US"/>
           </a:p>
@@ -2307,7 +2312,7 @@
           <a:p>
             <a:fld id="{9D36E99B-5E89-5749-93CD-EB0D1873100A}" type="datetimeFigureOut">
               <a:rPr lang="en-US" smtClean="0"/>
-              <a:t>6/27/18</a:t>
+              <a:t>6/28/18</a:t>
             </a:fld>
             <a:endParaRPr lang="en-US"/>
           </a:p>
@@ -2515,7 +2520,7 @@
           <a:p>
             <a:fld id="{9D36E99B-5E89-5749-93CD-EB0D1873100A}" type="datetimeFigureOut">
               <a:rPr lang="en-US" smtClean="0"/>
-              <a:t>6/27/18</a:t>
+              <a:t>6/28/18</a:t>
             </a:fld>
             <a:endParaRPr lang="en-US"/>
           </a:p>
@@ -2966,7 +2971,15 @@
           <a:p>
             <a:r>
               <a:rPr lang="en-US" dirty="0" smtClean="0"/>
-              <a:t>June 27, 2018</a:t>
+              <a:t>June </a:t>
+            </a:r>
+            <a:r>
+              <a:rPr lang="en-US" dirty="0" smtClean="0"/>
+              <a:t>28, </a:t>
+            </a:r>
+            <a:r>
+              <a:rPr lang="en-US" dirty="0" smtClean="0"/>
+              <a:t>2018</a:t>
             </a:r>
             <a:endParaRPr lang="en-US" dirty="0"/>
           </a:p>
@@ -3259,7 +3272,6 @@
               <a:rPr lang="en-US" dirty="0" smtClean="0"/>
               <a:t> trying to resolve</a:t>
             </a:r>
-            <a:endParaRPr lang="en-US" dirty="0" smtClean="0"/>
           </a:p>
         </p:txBody>
       </p:sp>
@@ -5849,7 +5861,6 @@
               <a:rPr lang="en-US" dirty="0" smtClean="0"/>
               <a:t>Research questions around semantic annotation and hypermedia integration</a:t>
             </a:r>
-            <a:endParaRPr lang="en-US" dirty="0" smtClean="0"/>
           </a:p>
         </p:txBody>
       </p:sp>
